--- a/slides.pptx
+++ b/slides.pptx
@@ -5,7 +5,7 @@
     <p:sldMasterId id="2147483648" r:id="rId1"/>
   </p:sldMasterIdLst>
   <p:notesMasterIdLst>
-    <p:notesMasterId r:id="rId12"/>
+    <p:notesMasterId r:id="rId14"/>
   </p:notesMasterIdLst>
   <p:sldIdLst>
     <p:sldId id="256" r:id="rId2"/>
@@ -13,11 +13,13 @@
     <p:sldId id="260" r:id="rId4"/>
     <p:sldId id="266" r:id="rId5"/>
     <p:sldId id="258" r:id="rId6"/>
-    <p:sldId id="257" r:id="rId7"/>
-    <p:sldId id="262" r:id="rId8"/>
+    <p:sldId id="262" r:id="rId7"/>
+    <p:sldId id="257" r:id="rId8"/>
     <p:sldId id="264" r:id="rId9"/>
     <p:sldId id="263" r:id="rId10"/>
     <p:sldId id="265" r:id="rId11"/>
+    <p:sldId id="268" r:id="rId12"/>
+    <p:sldId id="269" r:id="rId13"/>
   </p:sldIdLst>
   <p:sldSz cx="12192000" cy="6858000"/>
   <p:notesSz cx="6858000" cy="9144000"/>
@@ -206,7 +208,7 @@
           <a:p>
             <a:fld id="{62B66E8A-78EB-D94C-8334-B50B9C3623E2}" type="datetimeFigureOut">
               <a:rPr lang="en-US" smtClean="0"/>
-              <a:t>4/27/22</a:t>
+              <a:t>4/28/22</a:t>
             </a:fld>
             <a:endParaRPr lang="en-US"/>
           </a:p>
@@ -704,7 +706,7 @@
           <a:p>
             <a:fld id="{A3801311-F8BD-4F43-90BD-347F06328658}" type="datetimeFigureOut">
               <a:rPr lang="en-US" smtClean="0"/>
-              <a:t>4/27/22</a:t>
+              <a:t>4/28/22</a:t>
             </a:fld>
             <a:endParaRPr lang="en-US"/>
           </a:p>
@@ -902,7 +904,7 @@
           <a:p>
             <a:fld id="{A3801311-F8BD-4F43-90BD-347F06328658}" type="datetimeFigureOut">
               <a:rPr lang="en-US" smtClean="0"/>
-              <a:t>4/27/22</a:t>
+              <a:t>4/28/22</a:t>
             </a:fld>
             <a:endParaRPr lang="en-US"/>
           </a:p>
@@ -1110,7 +1112,7 @@
           <a:p>
             <a:fld id="{A3801311-F8BD-4F43-90BD-347F06328658}" type="datetimeFigureOut">
               <a:rPr lang="en-US" smtClean="0"/>
-              <a:t>4/27/22</a:t>
+              <a:t>4/28/22</a:t>
             </a:fld>
             <a:endParaRPr lang="en-US"/>
           </a:p>
@@ -1308,7 +1310,7 @@
           <a:p>
             <a:fld id="{A3801311-F8BD-4F43-90BD-347F06328658}" type="datetimeFigureOut">
               <a:rPr lang="en-US" smtClean="0"/>
-              <a:t>4/27/22</a:t>
+              <a:t>4/28/22</a:t>
             </a:fld>
             <a:endParaRPr lang="en-US"/>
           </a:p>
@@ -1583,7 +1585,7 @@
           <a:p>
             <a:fld id="{A3801311-F8BD-4F43-90BD-347F06328658}" type="datetimeFigureOut">
               <a:rPr lang="en-US" smtClean="0"/>
-              <a:t>4/27/22</a:t>
+              <a:t>4/28/22</a:t>
             </a:fld>
             <a:endParaRPr lang="en-US"/>
           </a:p>
@@ -1848,7 +1850,7 @@
           <a:p>
             <a:fld id="{A3801311-F8BD-4F43-90BD-347F06328658}" type="datetimeFigureOut">
               <a:rPr lang="en-US" smtClean="0"/>
-              <a:t>4/27/22</a:t>
+              <a:t>4/28/22</a:t>
             </a:fld>
             <a:endParaRPr lang="en-US"/>
           </a:p>
@@ -2260,7 +2262,7 @@
           <a:p>
             <a:fld id="{A3801311-F8BD-4F43-90BD-347F06328658}" type="datetimeFigureOut">
               <a:rPr lang="en-US" smtClean="0"/>
-              <a:t>4/27/22</a:t>
+              <a:t>4/28/22</a:t>
             </a:fld>
             <a:endParaRPr lang="en-US"/>
           </a:p>
@@ -2401,7 +2403,7 @@
           <a:p>
             <a:fld id="{A3801311-F8BD-4F43-90BD-347F06328658}" type="datetimeFigureOut">
               <a:rPr lang="en-US" smtClean="0"/>
-              <a:t>4/27/22</a:t>
+              <a:t>4/28/22</a:t>
             </a:fld>
             <a:endParaRPr lang="en-US"/>
           </a:p>
@@ -2514,7 +2516,7 @@
           <a:p>
             <a:fld id="{A3801311-F8BD-4F43-90BD-347F06328658}" type="datetimeFigureOut">
               <a:rPr lang="en-US" smtClean="0"/>
-              <a:t>4/27/22</a:t>
+              <a:t>4/28/22</a:t>
             </a:fld>
             <a:endParaRPr lang="en-US"/>
           </a:p>
@@ -2825,7 +2827,7 @@
           <a:p>
             <a:fld id="{A3801311-F8BD-4F43-90BD-347F06328658}" type="datetimeFigureOut">
               <a:rPr lang="en-US" smtClean="0"/>
-              <a:t>4/27/22</a:t>
+              <a:t>4/28/22</a:t>
             </a:fld>
             <a:endParaRPr lang="en-US"/>
           </a:p>
@@ -3113,7 +3115,7 @@
           <a:p>
             <a:fld id="{A3801311-F8BD-4F43-90BD-347F06328658}" type="datetimeFigureOut">
               <a:rPr lang="en-US" smtClean="0"/>
-              <a:t>4/27/22</a:t>
+              <a:t>4/28/22</a:t>
             </a:fld>
             <a:endParaRPr lang="en-US"/>
           </a:p>
@@ -3354,7 +3356,7 @@
           <a:p>
             <a:fld id="{A3801311-F8BD-4F43-90BD-347F06328658}" type="datetimeFigureOut">
               <a:rPr lang="en-US" smtClean="0"/>
-              <a:t>4/27/22</a:t>
+              <a:t>4/28/22</a:t>
             </a:fld>
             <a:endParaRPr lang="en-US"/>
           </a:p>
@@ -3903,7 +3905,7 @@
         </p:nvSpPr>
         <p:spPr>
           <a:xfrm>
-            <a:off x="7958137" y="1899236"/>
+            <a:off x="7895722" y="1859480"/>
             <a:ext cx="4158165" cy="2429877"/>
           </a:xfrm>
         </p:spPr>
@@ -3914,25 +3916,25 @@
           <a:lstStyle/>
           <a:p>
             <a:r>
-              <a:rPr lang="en-US" sz="1800" dirty="0"/>
+              <a:rPr lang="en-US" sz="2000" dirty="0"/>
               <a:t>Alpha first detected in July 2021</a:t>
             </a:r>
           </a:p>
           <a:p>
             <a:r>
-              <a:rPr lang="en-US" sz="1800" dirty="0"/>
+              <a:rPr lang="en-US" sz="2000" dirty="0"/>
               <a:t>Then Beta, Delta, Epsilon</a:t>
             </a:r>
           </a:p>
           <a:p>
             <a:r>
-              <a:rPr lang="en-US" sz="1800" dirty="0"/>
+              <a:rPr lang="en-US" sz="2000" dirty="0"/>
               <a:t>Gamma was rarely detected</a:t>
             </a:r>
           </a:p>
           <a:p>
             <a:r>
-              <a:rPr lang="en-US" sz="1800" dirty="0"/>
+              <a:rPr lang="en-US" sz="2000" dirty="0"/>
               <a:t>Omicron overtakes as a predominant type throughout Ohio since Dec 2021</a:t>
             </a:r>
           </a:p>
@@ -4124,6 +4126,342 @@
 </p:sld>
 </file>
 
+<file path=ppt/slides/slide11.xml><?xml version="1.0" encoding="utf-8"?>
+<p:sld xmlns:a="http://schemas.openxmlformats.org/drawingml/2006/main" xmlns:r="http://schemas.openxmlformats.org/officeDocument/2006/relationships" xmlns:p="http://schemas.openxmlformats.org/presentationml/2006/main">
+  <p:cSld>
+    <p:spTree>
+      <p:nvGrpSpPr>
+        <p:cNvPr id="1" name=""/>
+        <p:cNvGrpSpPr/>
+        <p:nvPr/>
+      </p:nvGrpSpPr>
+      <p:grpSpPr>
+        <a:xfrm>
+          <a:off x="0" y="0"/>
+          <a:ext cx="0" cy="0"/>
+          <a:chOff x="0" y="0"/>
+          <a:chExt cx="0" cy="0"/>
+        </a:xfrm>
+      </p:grpSpPr>
+      <p:sp>
+        <p:nvSpPr>
+          <p:cNvPr id="2" name="Title 1">
+            <a:extLst>
+              <a:ext uri="{FF2B5EF4-FFF2-40B4-BE49-F238E27FC236}">
+                <a16:creationId xmlns:a16="http://schemas.microsoft.com/office/drawing/2014/main" id="{5523249D-C3C1-A133-DD8B-BB727104B3EC}"/>
+              </a:ext>
+            </a:extLst>
+          </p:cNvPr>
+          <p:cNvSpPr>
+            <a:spLocks noGrp="1"/>
+          </p:cNvSpPr>
+          <p:nvPr>
+            <p:ph type="title"/>
+          </p:nvPr>
+        </p:nvSpPr>
+        <p:spPr/>
+        <p:txBody>
+          <a:bodyPr/>
+          <a:lstStyle/>
+          <a:p>
+            <a:r>
+              <a:rPr lang="en-US" dirty="0"/>
+              <a:t>Unsupervised machine learning: </a:t>
+            </a:r>
+            <a:r>
+              <a:rPr lang="en-US" b="1" dirty="0"/>
+              <a:t>K-Means</a:t>
+            </a:r>
+          </a:p>
+        </p:txBody>
+      </p:sp>
+      <p:sp>
+        <p:nvSpPr>
+          <p:cNvPr id="3" name="Content Placeholder 2">
+            <a:extLst>
+              <a:ext uri="{FF2B5EF4-FFF2-40B4-BE49-F238E27FC236}">
+                <a16:creationId xmlns:a16="http://schemas.microsoft.com/office/drawing/2014/main" id="{78032D9F-FEEB-9356-68AD-5A33308A838C}"/>
+              </a:ext>
+            </a:extLst>
+          </p:cNvPr>
+          <p:cNvSpPr>
+            <a:spLocks noGrp="1"/>
+          </p:cNvSpPr>
+          <p:nvPr>
+            <p:ph idx="1"/>
+          </p:nvPr>
+        </p:nvSpPr>
+        <p:spPr>
+          <a:xfrm>
+            <a:off x="838200" y="1789834"/>
+            <a:ext cx="6262687" cy="4351338"/>
+          </a:xfrm>
+        </p:spPr>
+        <p:txBody>
+          <a:bodyPr>
+            <a:normAutofit/>
+          </a:bodyPr>
+          <a:lstStyle/>
+          <a:p>
+            <a:r>
+              <a:rPr lang="en-US" sz="2200" b="1" dirty="0"/>
+              <a:t>Clustering</a:t>
+            </a:r>
+            <a:r>
+              <a:rPr lang="en-US" sz="2200" dirty="0"/>
+              <a:t>: grouping samples based on their similarity across prisons and time</a:t>
+            </a:r>
+          </a:p>
+          <a:p>
+            <a:r>
+              <a:rPr lang="en-US" sz="2200" b="1" dirty="0"/>
+              <a:t>K-Means</a:t>
+            </a:r>
+            <a:r>
+              <a:rPr lang="en-US" sz="2200" dirty="0"/>
+              <a:t> partitions n=2038 observations into k clusters, where each observation belongs to the cluster with the nearest mean based on L2 norm distance</a:t>
+            </a:r>
+          </a:p>
+          <a:p>
+            <a:pPr marL="0" indent="0">
+              <a:buNone/>
+            </a:pPr>
+            <a:endParaRPr lang="en-US" sz="2200" dirty="0"/>
+          </a:p>
+          <a:p>
+            <a:r>
+              <a:rPr lang="en-US" sz="2200" dirty="0"/>
+              <a:t>Elbow method to select number of clusters</a:t>
+            </a:r>
+          </a:p>
+        </p:txBody>
+      </p:sp>
+      <p:pic>
+        <p:nvPicPr>
+          <p:cNvPr id="16" name="Picture 15" descr="Chart, line chart&#10;&#10;Description automatically generated">
+            <a:extLst>
+              <a:ext uri="{FF2B5EF4-FFF2-40B4-BE49-F238E27FC236}">
+                <a16:creationId xmlns:a16="http://schemas.microsoft.com/office/drawing/2014/main" id="{82399532-B76E-2C2E-C631-AD9CD1A4B9B4}"/>
+              </a:ext>
+            </a:extLst>
+          </p:cNvPr>
+          <p:cNvPicPr>
+            <a:picLocks noChangeAspect="1"/>
+          </p:cNvPicPr>
+          <p:nvPr/>
+        </p:nvPicPr>
+        <p:blipFill>
+          <a:blip r:embed="rId2"/>
+          <a:stretch>
+            <a:fillRect/>
+          </a:stretch>
+        </p:blipFill>
+        <p:spPr>
+          <a:xfrm>
+            <a:off x="7100887" y="3965503"/>
+            <a:ext cx="4786313" cy="2598018"/>
+          </a:xfrm>
+          <a:prstGeom prst="rect">
+            <a:avLst/>
+          </a:prstGeom>
+        </p:spPr>
+      </p:pic>
+      <p:pic>
+        <p:nvPicPr>
+          <p:cNvPr id="2050" name="Picture 2" descr="CS221">
+            <a:extLst>
+              <a:ext uri="{FF2B5EF4-FFF2-40B4-BE49-F238E27FC236}">
+                <a16:creationId xmlns:a16="http://schemas.microsoft.com/office/drawing/2014/main" id="{207D77FA-9AE2-05F2-BC13-FFD635ABEA84}"/>
+              </a:ext>
+            </a:extLst>
+          </p:cNvPr>
+          <p:cNvPicPr>
+            <a:picLocks noChangeAspect="1" noChangeArrowheads="1"/>
+          </p:cNvPicPr>
+          <p:nvPr/>
+        </p:nvPicPr>
+        <p:blipFill rotWithShape="1">
+          <a:blip r:embed="rId3">
+            <a:extLst>
+              <a:ext uri="{28A0092B-C50C-407E-A947-70E740481C1C}">
+                <a14:useLocalDpi xmlns:a14="http://schemas.microsoft.com/office/drawing/2010/main" val="0"/>
+              </a:ext>
+            </a:extLst>
+          </a:blip>
+          <a:srcRect b="13949"/>
+          <a:stretch/>
+        </p:blipFill>
+        <p:spPr bwMode="auto">
+          <a:xfrm>
+            <a:off x="7100887" y="1818263"/>
+            <a:ext cx="4480396" cy="2076523"/>
+          </a:xfrm>
+          <a:prstGeom prst="rect">
+            <a:avLst/>
+          </a:prstGeom>
+          <a:noFill/>
+          <a:extLst>
+            <a:ext uri="{909E8E84-426E-40DD-AFC4-6F175D3DCCD1}">
+              <a14:hiddenFill xmlns:a14="http://schemas.microsoft.com/office/drawing/2010/main">
+                <a:solidFill>
+                  <a:srgbClr val="FFFFFF"/>
+                </a:solidFill>
+              </a14:hiddenFill>
+            </a:ext>
+          </a:extLst>
+        </p:spPr>
+      </p:pic>
+    </p:spTree>
+    <p:extLst>
+      <p:ext uri="{BB962C8B-B14F-4D97-AF65-F5344CB8AC3E}">
+        <p14:creationId xmlns:p14="http://schemas.microsoft.com/office/powerpoint/2010/main" val="1581077150"/>
+      </p:ext>
+    </p:extLst>
+  </p:cSld>
+  <p:clrMapOvr>
+    <a:masterClrMapping/>
+  </p:clrMapOvr>
+</p:sld>
+</file>
+
+<file path=ppt/slides/slide12.xml><?xml version="1.0" encoding="utf-8"?>
+<p:sld xmlns:a="http://schemas.openxmlformats.org/drawingml/2006/main" xmlns:r="http://schemas.openxmlformats.org/officeDocument/2006/relationships" xmlns:p="http://schemas.openxmlformats.org/presentationml/2006/main">
+  <p:cSld>
+    <p:spTree>
+      <p:nvGrpSpPr>
+        <p:cNvPr id="1" name=""/>
+        <p:cNvGrpSpPr/>
+        <p:nvPr/>
+      </p:nvGrpSpPr>
+      <p:grpSpPr>
+        <a:xfrm>
+          <a:off x="0" y="0"/>
+          <a:ext cx="0" cy="0"/>
+          <a:chOff x="0" y="0"/>
+          <a:chExt cx="0" cy="0"/>
+        </a:xfrm>
+      </p:grpSpPr>
+      <p:sp>
+        <p:nvSpPr>
+          <p:cNvPr id="3" name="Content Placeholder 2">
+            <a:extLst>
+              <a:ext uri="{FF2B5EF4-FFF2-40B4-BE49-F238E27FC236}">
+                <a16:creationId xmlns:a16="http://schemas.microsoft.com/office/drawing/2014/main" id="{A6D71ECE-8468-4BA3-A045-C3F49CAA79FC}"/>
+              </a:ext>
+            </a:extLst>
+          </p:cNvPr>
+          <p:cNvSpPr>
+            <a:spLocks noGrp="1"/>
+          </p:cNvSpPr>
+          <p:nvPr>
+            <p:ph idx="1"/>
+          </p:nvPr>
+        </p:nvSpPr>
+        <p:spPr>
+          <a:xfrm>
+            <a:off x="838200" y="1825625"/>
+            <a:ext cx="11049000" cy="4351338"/>
+          </a:xfrm>
+        </p:spPr>
+        <p:txBody>
+          <a:bodyPr>
+            <a:normAutofit/>
+          </a:bodyPr>
+          <a:lstStyle/>
+          <a:p>
+            <a:r>
+              <a:rPr lang="en-US" sz="2400" dirty="0"/>
+              <a:t>For dimensionality reduction and visualization of clusters, we utilized PCA</a:t>
+            </a:r>
+          </a:p>
+          <a:p>
+            <a:r>
+              <a:rPr lang="en-US" sz="2400" dirty="0"/>
+              <a:t>The first 2 Principal Component explain 54% of the variance of scaled data</a:t>
+            </a:r>
+          </a:p>
+        </p:txBody>
+      </p:sp>
+      <p:sp>
+        <p:nvSpPr>
+          <p:cNvPr id="4" name="Title 1">
+            <a:extLst>
+              <a:ext uri="{FF2B5EF4-FFF2-40B4-BE49-F238E27FC236}">
+                <a16:creationId xmlns:a16="http://schemas.microsoft.com/office/drawing/2014/main" id="{75770B16-2954-7708-E81F-C164EBAE07DD}"/>
+              </a:ext>
+            </a:extLst>
+          </p:cNvPr>
+          <p:cNvSpPr>
+            <a:spLocks noGrp="1"/>
+          </p:cNvSpPr>
+          <p:nvPr>
+            <p:ph type="title"/>
+          </p:nvPr>
+        </p:nvSpPr>
+        <p:spPr>
+          <a:xfrm>
+            <a:off x="838199" y="365125"/>
+            <a:ext cx="11048999" cy="1355391"/>
+          </a:xfrm>
+        </p:spPr>
+        <p:txBody>
+          <a:bodyPr/>
+          <a:lstStyle/>
+          <a:p>
+            <a:r>
+              <a:rPr lang="en-US" dirty="0"/>
+              <a:t>Unsupervised machine learning: </a:t>
+            </a:r>
+            <a:r>
+              <a:rPr lang="en-US" b="1" dirty="0"/>
+              <a:t>K-means + PCA</a:t>
+            </a:r>
+          </a:p>
+        </p:txBody>
+      </p:sp>
+      <p:pic>
+        <p:nvPicPr>
+          <p:cNvPr id="5" name="Picture 4" descr="Chart, scatter chart&#10;&#10;Description automatically generated">
+            <a:extLst>
+              <a:ext uri="{FF2B5EF4-FFF2-40B4-BE49-F238E27FC236}">
+                <a16:creationId xmlns:a16="http://schemas.microsoft.com/office/drawing/2014/main" id="{F853E7FB-0EA2-6A7C-DDEE-F5AE39C2BAB0}"/>
+              </a:ext>
+            </a:extLst>
+          </p:cNvPr>
+          <p:cNvPicPr>
+            <a:picLocks noChangeAspect="1"/>
+          </p:cNvPicPr>
+          <p:nvPr/>
+        </p:nvPicPr>
+        <p:blipFill>
+          <a:blip r:embed="rId2"/>
+          <a:stretch>
+            <a:fillRect/>
+          </a:stretch>
+        </p:blipFill>
+        <p:spPr>
+          <a:xfrm>
+            <a:off x="3051508" y="2928936"/>
+            <a:ext cx="5763880" cy="3707011"/>
+          </a:xfrm>
+          <a:prstGeom prst="rect">
+            <a:avLst/>
+          </a:prstGeom>
+        </p:spPr>
+      </p:pic>
+    </p:spTree>
+    <p:extLst>
+      <p:ext uri="{BB962C8B-B14F-4D97-AF65-F5344CB8AC3E}">
+        <p14:creationId xmlns:p14="http://schemas.microsoft.com/office/powerpoint/2010/main" val="229121110"/>
+      </p:ext>
+    </p:extLst>
+  </p:cSld>
+  <p:clrMapOvr>
+    <a:masterClrMapping/>
+  </p:clrMapOvr>
+</p:sld>
+</file>
+
 <file path=ppt/slides/slide2.xml><?xml version="1.0" encoding="utf-8"?>
 <p:sld xmlns:a="http://schemas.openxmlformats.org/drawingml/2006/main" xmlns:r="http://schemas.openxmlformats.org/officeDocument/2006/relationships" xmlns:p="http://schemas.openxmlformats.org/presentationml/2006/main">
   <p:cSld>
@@ -4381,7 +4719,10 @@
           <a:bodyPr/>
           <a:lstStyle/>
           <a:p>
-            <a:endParaRPr lang="en-US"/>
+            <a:r>
+              <a:rPr lang="en-US" dirty="0"/>
+              <a:t>Maddie’s plots?</a:t>
+            </a:r>
           </a:p>
         </p:txBody>
       </p:sp>
@@ -4531,10 +4872,10 @@
       </p:grpSpPr>
       <p:sp>
         <p:nvSpPr>
-          <p:cNvPr id="7" name="Title 1">
-            <a:extLst>
-              <a:ext uri="{FF2B5EF4-FFF2-40B4-BE49-F238E27FC236}">
-                <a16:creationId xmlns:a16="http://schemas.microsoft.com/office/drawing/2014/main" id="{A70E5CC4-DECE-0CDF-37CB-1F9333075071}"/>
+          <p:cNvPr id="2" name="Title 1">
+            <a:extLst>
+              <a:ext uri="{FF2B5EF4-FFF2-40B4-BE49-F238E27FC236}">
+                <a16:creationId xmlns:a16="http://schemas.microsoft.com/office/drawing/2014/main" id="{C00A13F2-686A-69A5-C2C0-7581922FCD1C}"/>
               </a:ext>
             </a:extLst>
           </p:cNvPr>
@@ -4545,23 +4886,207 @@
             <p:ph type="title"/>
           </p:nvPr>
         </p:nvSpPr>
+        <p:spPr/>
+        <p:txBody>
+          <a:bodyPr/>
+          <a:lstStyle/>
+          <a:p>
+            <a:r>
+              <a:rPr lang="en-US" dirty="0"/>
+              <a:t>Positive cases</a:t>
+            </a:r>
+          </a:p>
+        </p:txBody>
+      </p:sp>
+      <p:pic>
+        <p:nvPicPr>
+          <p:cNvPr id="4" name="Picture 3" descr="Chart, scatter chart&#10;&#10;Description automatically generated">
+            <a:extLst>
+              <a:ext uri="{FF2B5EF4-FFF2-40B4-BE49-F238E27FC236}">
+                <a16:creationId xmlns:a16="http://schemas.microsoft.com/office/drawing/2014/main" id="{2E73D2AB-CCE5-8CBE-9F89-257C658F7695}"/>
+              </a:ext>
+            </a:extLst>
+          </p:cNvPr>
+          <p:cNvPicPr>
+            <a:picLocks noChangeAspect="1"/>
+          </p:cNvPicPr>
+          <p:nvPr/>
+        </p:nvPicPr>
+        <p:blipFill>
+          <a:blip r:embed="rId2"/>
+          <a:stretch>
+            <a:fillRect/>
+          </a:stretch>
+        </p:blipFill>
         <p:spPr>
           <a:xfrm>
-            <a:off x="657726" y="139476"/>
-            <a:ext cx="10515600" cy="1325563"/>
+            <a:off x="838199" y="3965024"/>
+            <a:ext cx="6834187" cy="2560270"/>
           </a:xfrm>
+          <a:prstGeom prst="rect">
+            <a:avLst/>
+          </a:prstGeom>
         </p:spPr>
-        <p:txBody>
-          <a:bodyPr/>
-          <a:lstStyle/>
-          <a:p>
+      </p:pic>
+      <p:pic>
+        <p:nvPicPr>
+          <p:cNvPr id="5" name="Picture 4" descr="Chart, scatter chart&#10;&#10;Description automatically generated">
+            <a:extLst>
+              <a:ext uri="{FF2B5EF4-FFF2-40B4-BE49-F238E27FC236}">
+                <a16:creationId xmlns:a16="http://schemas.microsoft.com/office/drawing/2014/main" id="{4F85A8A1-ADD5-C5CF-FE3C-E576342319DE}"/>
+              </a:ext>
+            </a:extLst>
+          </p:cNvPr>
+          <p:cNvPicPr>
+            <a:picLocks noChangeAspect="1"/>
+          </p:cNvPicPr>
+          <p:nvPr/>
+        </p:nvPicPr>
+        <p:blipFill>
+          <a:blip r:embed="rId3"/>
+          <a:stretch>
+            <a:fillRect/>
+          </a:stretch>
+        </p:blipFill>
+        <p:spPr>
+          <a:xfrm>
+            <a:off x="838200" y="1496212"/>
+            <a:ext cx="6834187" cy="2560270"/>
+          </a:xfrm>
+          <a:prstGeom prst="rect">
+            <a:avLst/>
+          </a:prstGeom>
+        </p:spPr>
+      </p:pic>
+      <p:sp>
+        <p:nvSpPr>
+          <p:cNvPr id="3" name="TextBox 2">
+            <a:extLst>
+              <a:ext uri="{FF2B5EF4-FFF2-40B4-BE49-F238E27FC236}">
+                <a16:creationId xmlns:a16="http://schemas.microsoft.com/office/drawing/2014/main" id="{CA9520D5-D556-DD06-A3AA-F83A9AC937F5}"/>
+              </a:ext>
+            </a:extLst>
+          </p:cNvPr>
+          <p:cNvSpPr txBox="1"/>
+          <p:nvPr/>
+        </p:nvSpPr>
+        <p:spPr>
+          <a:xfrm>
+            <a:off x="7864642" y="1537004"/>
+            <a:ext cx="4022558" cy="1200329"/>
+          </a:xfrm>
+          <a:prstGeom prst="rect">
+            <a:avLst/>
+          </a:prstGeom>
+          <a:noFill/>
+        </p:spPr>
+        <p:txBody>
+          <a:bodyPr wrap="square" rtlCol="0">
+            <a:spAutoFit/>
+          </a:bodyPr>
+          <a:lstStyle/>
+          <a:p>
+            <a:pPr marL="285750" indent="-285750">
+              <a:buFont typeface="Arial" panose="020B0604020202020204" pitchFamily="34" charset="0"/>
+              <a:buChar char="•"/>
+            </a:pPr>
             <a:r>
               <a:rPr lang="en-US" dirty="0"/>
-              <a:t>Positive cases</a:t>
-            </a:r>
-          </a:p>
-        </p:txBody>
-      </p:sp>
+              <a:t>Spike in winters correspond to the Ohio and country-wide COVID-19 dynamics  </a:t>
+            </a:r>
+            <a:r>
+              <a:rPr lang="en-US" dirty="0">
+                <a:solidFill>
+                  <a:schemeClr val="bg2">
+                    <a:lumMod val="50000"/>
+                  </a:schemeClr>
+                </a:solidFill>
+              </a:rPr>
+              <a:t>[Source: </a:t>
+            </a:r>
+            <a:r>
+              <a:rPr lang="en-US" dirty="0" err="1">
+                <a:solidFill>
+                  <a:schemeClr val="bg2">
+                    <a:lumMod val="50000"/>
+                  </a:schemeClr>
+                </a:solidFill>
+              </a:rPr>
+              <a:t>coronavirus.ohio.gov</a:t>
+            </a:r>
+            <a:r>
+              <a:rPr lang="en-US" dirty="0">
+                <a:solidFill>
+                  <a:schemeClr val="bg2">
+                    <a:lumMod val="50000"/>
+                  </a:schemeClr>
+                </a:solidFill>
+              </a:rPr>
+              <a:t>]</a:t>
+            </a:r>
+          </a:p>
+        </p:txBody>
+      </p:sp>
+      <p:pic>
+        <p:nvPicPr>
+          <p:cNvPr id="9" name="Picture 8">
+            <a:extLst>
+              <a:ext uri="{FF2B5EF4-FFF2-40B4-BE49-F238E27FC236}">
+                <a16:creationId xmlns:a16="http://schemas.microsoft.com/office/drawing/2014/main" id="{49BC66DF-9EA0-52F0-2C7B-912D391B76E8}"/>
+              </a:ext>
+            </a:extLst>
+          </p:cNvPr>
+          <p:cNvPicPr>
+            <a:picLocks noChangeAspect="1"/>
+          </p:cNvPicPr>
+          <p:nvPr/>
+        </p:nvPicPr>
+        <p:blipFill>
+          <a:blip r:embed="rId4"/>
+          <a:stretch>
+            <a:fillRect/>
+          </a:stretch>
+        </p:blipFill>
+        <p:spPr>
+          <a:xfrm>
+            <a:off x="8161338" y="3019805"/>
+            <a:ext cx="3725862" cy="945219"/>
+          </a:xfrm>
+          <a:prstGeom prst="rect">
+            <a:avLst/>
+          </a:prstGeom>
+        </p:spPr>
+      </p:pic>
+    </p:spTree>
+    <p:extLst>
+      <p:ext uri="{BB962C8B-B14F-4D97-AF65-F5344CB8AC3E}">
+        <p14:creationId xmlns:p14="http://schemas.microsoft.com/office/powerpoint/2010/main" val="2309972770"/>
+      </p:ext>
+    </p:extLst>
+  </p:cSld>
+  <p:clrMapOvr>
+    <a:masterClrMapping/>
+  </p:clrMapOvr>
+</p:sld>
+</file>
+
+<file path=ppt/slides/slide7.xml><?xml version="1.0" encoding="utf-8"?>
+<p:sld xmlns:a="http://schemas.openxmlformats.org/drawingml/2006/main" xmlns:r="http://schemas.openxmlformats.org/officeDocument/2006/relationships" xmlns:p="http://schemas.openxmlformats.org/presentationml/2006/main">
+  <p:cSld>
+    <p:spTree>
+      <p:nvGrpSpPr>
+        <p:cNvPr id="1" name=""/>
+        <p:cNvGrpSpPr/>
+        <p:nvPr/>
+      </p:nvGrpSpPr>
+      <p:grpSpPr>
+        <a:xfrm>
+          <a:off x="0" y="0"/>
+          <a:ext cx="0" cy="0"/>
+          <a:chOff x="0" y="0"/>
+          <a:chExt cx="0" cy="0"/>
+        </a:xfrm>
+      </p:grpSpPr>
       <p:pic>
         <p:nvPicPr>
           <p:cNvPr id="8" name="pos-staff" descr="pos-staff">
@@ -4592,14 +5117,93 @@
         </p:blipFill>
         <p:spPr>
           <a:xfrm>
-            <a:off x="0" y="1465039"/>
-            <a:ext cx="6935722" cy="3768725"/>
+            <a:off x="0" y="416662"/>
+            <a:ext cx="7908601" cy="4297367"/>
           </a:xfrm>
           <a:prstGeom prst="rect">
             <a:avLst/>
           </a:prstGeom>
         </p:spPr>
       </p:pic>
+      <p:sp>
+        <p:nvSpPr>
+          <p:cNvPr id="9" name="TextBox 8">
+            <a:extLst>
+              <a:ext uri="{FF2B5EF4-FFF2-40B4-BE49-F238E27FC236}">
+                <a16:creationId xmlns:a16="http://schemas.microsoft.com/office/drawing/2014/main" id="{3A8C122D-2654-79B2-A734-492D44741601}"/>
+              </a:ext>
+            </a:extLst>
+          </p:cNvPr>
+          <p:cNvSpPr txBox="1"/>
+          <p:nvPr/>
+        </p:nvSpPr>
+        <p:spPr>
+          <a:xfrm>
+            <a:off x="6486938" y="863328"/>
+            <a:ext cx="4943061" cy="2031325"/>
+          </a:xfrm>
+          <a:prstGeom prst="rect">
+            <a:avLst/>
+          </a:prstGeom>
+          <a:noFill/>
+        </p:spPr>
+        <p:txBody>
+          <a:bodyPr wrap="square">
+            <a:spAutoFit/>
+          </a:bodyPr>
+          <a:lstStyle/>
+          <a:p>
+            <a:pPr marL="285750" indent="-285750">
+              <a:buFont typeface="Arial" panose="020B0604020202020204" pitchFamily="34" charset="0"/>
+              <a:buChar char="•"/>
+            </a:pPr>
+            <a:r>
+              <a:rPr lang="en-US" dirty="0"/>
+              <a:t>Largest weekly cases for </a:t>
+            </a:r>
+            <a:r>
+              <a:rPr lang="en-US" u="sng" dirty="0"/>
+              <a:t>staff</a:t>
+            </a:r>
+            <a:r>
+              <a:rPr lang="en-US" dirty="0"/>
+              <a:t> were in SOCF, LORCI, TOCI, MANCI, NEOCC, GCI, all located nearby large metropolitan areas in Ohio</a:t>
+            </a:r>
+          </a:p>
+          <a:p>
+            <a:pPr marL="285750" indent="-285750">
+              <a:buFont typeface="Arial" panose="020B0604020202020204" pitchFamily="34" charset="0"/>
+              <a:buChar char="•"/>
+            </a:pPr>
+            <a:r>
+              <a:rPr lang="en-US" dirty="0"/>
+              <a:t>Unlike </a:t>
+            </a:r>
+            <a:r>
+              <a:rPr lang="en-US" u="sng" dirty="0"/>
+              <a:t>inmates</a:t>
+            </a:r>
+            <a:r>
+              <a:rPr lang="en-US" dirty="0"/>
+              <a:t> – largest outbreaks were in  rural CRC  </a:t>
+            </a:r>
+          </a:p>
+          <a:p>
+            <a:pPr marL="285750" indent="-285750">
+              <a:buFont typeface="Arial" panose="020B0604020202020204" pitchFamily="34" charset="0"/>
+              <a:buChar char="•"/>
+            </a:pPr>
+            <a:endParaRPr lang="en-US" dirty="0"/>
+          </a:p>
+          <a:p>
+            <a:pPr marL="285750" indent="-285750">
+              <a:buFont typeface="Arial" panose="020B0604020202020204" pitchFamily="34" charset="0"/>
+              <a:buChar char="•"/>
+            </a:pPr>
+            <a:endParaRPr lang="en-US" dirty="0"/>
+          </a:p>
+        </p:txBody>
+      </p:sp>
       <p:pic>
         <p:nvPicPr>
           <p:cNvPr id="10" name="pos-inmates-2" descr="pos-inmates-2">
@@ -4630,8 +5234,8 @@
         </p:blipFill>
         <p:spPr>
           <a:xfrm>
-            <a:off x="5470406" y="2410697"/>
-            <a:ext cx="6389723" cy="4026197"/>
+            <a:off x="5548430" y="2565346"/>
+            <a:ext cx="6820079" cy="4297367"/>
           </a:xfrm>
           <a:prstGeom prst="rect">
             <a:avLst/>
@@ -4891,124 +5495,6 @@
 </p:sld>
 </file>
 
-<file path=ppt/slides/slide7.xml><?xml version="1.0" encoding="utf-8"?>
-<p:sld xmlns:a="http://schemas.openxmlformats.org/drawingml/2006/main" xmlns:r="http://schemas.openxmlformats.org/officeDocument/2006/relationships" xmlns:p="http://schemas.openxmlformats.org/presentationml/2006/main">
-  <p:cSld>
-    <p:spTree>
-      <p:nvGrpSpPr>
-        <p:cNvPr id="1" name=""/>
-        <p:cNvGrpSpPr/>
-        <p:nvPr/>
-      </p:nvGrpSpPr>
-      <p:grpSpPr>
-        <a:xfrm>
-          <a:off x="0" y="0"/>
-          <a:ext cx="0" cy="0"/>
-          <a:chOff x="0" y="0"/>
-          <a:chExt cx="0" cy="0"/>
-        </a:xfrm>
-      </p:grpSpPr>
-      <p:sp>
-        <p:nvSpPr>
-          <p:cNvPr id="2" name="Title 1">
-            <a:extLst>
-              <a:ext uri="{FF2B5EF4-FFF2-40B4-BE49-F238E27FC236}">
-                <a16:creationId xmlns:a16="http://schemas.microsoft.com/office/drawing/2014/main" id="{C00A13F2-686A-69A5-C2C0-7581922FCD1C}"/>
-              </a:ext>
-            </a:extLst>
-          </p:cNvPr>
-          <p:cNvSpPr>
-            <a:spLocks noGrp="1"/>
-          </p:cNvSpPr>
-          <p:nvPr>
-            <p:ph type="title"/>
-          </p:nvPr>
-        </p:nvSpPr>
-        <p:spPr/>
-        <p:txBody>
-          <a:bodyPr/>
-          <a:lstStyle/>
-          <a:p>
-            <a:r>
-              <a:rPr lang="en-US" dirty="0"/>
-              <a:t>Positive cases</a:t>
-            </a:r>
-          </a:p>
-        </p:txBody>
-      </p:sp>
-      <p:pic>
-        <p:nvPicPr>
-          <p:cNvPr id="4" name="Picture 3" descr="Chart, scatter chart&#10;&#10;Description automatically generated">
-            <a:extLst>
-              <a:ext uri="{FF2B5EF4-FFF2-40B4-BE49-F238E27FC236}">
-                <a16:creationId xmlns:a16="http://schemas.microsoft.com/office/drawing/2014/main" id="{2E73D2AB-CCE5-8CBE-9F89-257C658F7695}"/>
-              </a:ext>
-            </a:extLst>
-          </p:cNvPr>
-          <p:cNvPicPr>
-            <a:picLocks noChangeAspect="1"/>
-          </p:cNvPicPr>
-          <p:nvPr/>
-        </p:nvPicPr>
-        <p:blipFill>
-          <a:blip r:embed="rId2"/>
-          <a:stretch>
-            <a:fillRect/>
-          </a:stretch>
-        </p:blipFill>
-        <p:spPr>
-          <a:xfrm>
-            <a:off x="838199" y="3965024"/>
-            <a:ext cx="6834187" cy="2560270"/>
-          </a:xfrm>
-          <a:prstGeom prst="rect">
-            <a:avLst/>
-          </a:prstGeom>
-        </p:spPr>
-      </p:pic>
-      <p:pic>
-        <p:nvPicPr>
-          <p:cNvPr id="5" name="Picture 4" descr="Chart, scatter chart&#10;&#10;Description automatically generated">
-            <a:extLst>
-              <a:ext uri="{FF2B5EF4-FFF2-40B4-BE49-F238E27FC236}">
-                <a16:creationId xmlns:a16="http://schemas.microsoft.com/office/drawing/2014/main" id="{4F85A8A1-ADD5-C5CF-FE3C-E576342319DE}"/>
-              </a:ext>
-            </a:extLst>
-          </p:cNvPr>
-          <p:cNvPicPr>
-            <a:picLocks noChangeAspect="1"/>
-          </p:cNvPicPr>
-          <p:nvPr/>
-        </p:nvPicPr>
-        <p:blipFill>
-          <a:blip r:embed="rId3"/>
-          <a:stretch>
-            <a:fillRect/>
-          </a:stretch>
-        </p:blipFill>
-        <p:spPr>
-          <a:xfrm>
-            <a:off x="838200" y="1496212"/>
-            <a:ext cx="6834187" cy="2560270"/>
-          </a:xfrm>
-          <a:prstGeom prst="rect">
-            <a:avLst/>
-          </a:prstGeom>
-        </p:spPr>
-      </p:pic>
-    </p:spTree>
-    <p:extLst>
-      <p:ext uri="{BB962C8B-B14F-4D97-AF65-F5344CB8AC3E}">
-        <p14:creationId xmlns:p14="http://schemas.microsoft.com/office/powerpoint/2010/main" val="2309972770"/>
-      </p:ext>
-    </p:extLst>
-  </p:cSld>
-  <p:clrMapOvr>
-    <a:masterClrMapping/>
-  </p:clrMapOvr>
-</p:sld>
-</file>
-
 <file path=ppt/slides/slide8.xml><?xml version="1.0" encoding="utf-8"?>
 <p:sld xmlns:a="http://schemas.openxmlformats.org/drawingml/2006/main" xmlns:r="http://schemas.openxmlformats.org/officeDocument/2006/relationships" xmlns:p="http://schemas.openxmlformats.org/presentationml/2006/main">
   <p:cSld>
@@ -5083,14 +5569,14 @@
           <a:lstStyle/>
           <a:p>
             <a:r>
-              <a:rPr lang="en-US" sz="1800" dirty="0"/>
+              <a:rPr lang="en-US" sz="2000" dirty="0"/>
               <a:t>Cumulative variable</a:t>
             </a:r>
           </a:p>
           <a:p>
             <a:r>
-              <a:rPr lang="en-US" sz="1800" dirty="0"/>
-              <a:t>Staff deaths are much less frequent and range between 0 to 2 on a given week of sampling</a:t>
+              <a:rPr lang="en-US" sz="2000" dirty="0"/>
+              <a:t>Staff deaths are much less frequent and range between 0, 1 and 2 on a given week of observation</a:t>
             </a:r>
           </a:p>
         </p:txBody>
@@ -5257,7 +5743,7 @@
         <p:spPr>
           <a:xfrm>
             <a:off x="7520030" y="1690688"/>
-            <a:ext cx="4334375" cy="646331"/>
+            <a:ext cx="4334375" cy="707886"/>
           </a:xfrm>
           <a:prstGeom prst="rect">
             <a:avLst/>
@@ -5275,7 +5761,7 @@
               <a:buChar char="•"/>
             </a:pPr>
             <a:r>
-              <a:rPr lang="en-US" dirty="0"/>
+              <a:rPr lang="en-US" sz="2000" dirty="0"/>
               <a:t>Different dynamics due to inmate movement and other factors</a:t>
             </a:r>
           </a:p>
